--- a/scratch/Scratch 课程介绍.pptx
+++ b/scratch/Scratch 课程介绍.pptx
@@ -5,15 +5,16 @@
     <p:sldMasterId id="2147483660" r:id="rId2"/>
   </p:sldMasterIdLst>
   <p:notesMasterIdLst>
-    <p:notesMasterId r:id="rId9"/>
+    <p:notesMasterId r:id="rId10"/>
   </p:notesMasterIdLst>
   <p:sldIdLst>
     <p:sldId id="256" r:id="rId3"/>
     <p:sldId id="257" r:id="rId4"/>
     <p:sldId id="258" r:id="rId5"/>
-    <p:sldId id="259" r:id="rId6"/>
-    <p:sldId id="261" r:id="rId7"/>
-    <p:sldId id="260" r:id="rId8"/>
+    <p:sldId id="262" r:id="rId6"/>
+    <p:sldId id="259" r:id="rId7"/>
+    <p:sldId id="261" r:id="rId8"/>
+    <p:sldId id="260" r:id="rId9"/>
   </p:sldIdLst>
   <p:sldSz cx="9144000" cy="6858000" type="screen4x3"/>
   <p:notesSz cx="6858000" cy="9144000"/>
@@ -3258,7 +3259,7 @@
             <a:fld id="{E28287AA-0D99-42CE-A71B-10FA9908BBF8}" type="datetimeFigureOut">
               <a:rPr lang="en-US" smtClean="0"/>
               <a:pPr/>
-              <a:t>3/16/2019</a:t>
+              <a:t>3/18/2019</a:t>
             </a:fld>
             <a:endParaRPr lang="en-US"/>
           </a:p>
@@ -3837,7 +3838,7 @@
             <a:fld id="{D7C167DB-EFF0-400D-96A1-6799F871DE5B}" type="slidenum">
               <a:rPr lang="en-US" smtClean="0"/>
               <a:pPr/>
-              <a:t>4</a:t>
+              <a:t>5</a:t>
             </a:fld>
             <a:endParaRPr lang="en-US"/>
           </a:p>
@@ -4142,7 +4143,7 @@
             <a:fld id="{DCFA480D-CB17-4C49-BB2A-C7514E1C7CEA}" type="datetimeFigureOut">
               <a:rPr lang="en-US" smtClean="0"/>
               <a:pPr/>
-              <a:t>3/16/2019</a:t>
+              <a:t>3/18/2019</a:t>
             </a:fld>
             <a:endParaRPr lang="en-US"/>
           </a:p>
@@ -4310,7 +4311,7 @@
             <a:fld id="{DCFA480D-CB17-4C49-BB2A-C7514E1C7CEA}" type="datetimeFigureOut">
               <a:rPr lang="en-US" smtClean="0"/>
               <a:pPr/>
-              <a:t>3/16/2019</a:t>
+              <a:t>3/18/2019</a:t>
             </a:fld>
             <a:endParaRPr lang="en-US"/>
           </a:p>
@@ -4487,7 +4488,7 @@
             <a:fld id="{DCFA480D-CB17-4C49-BB2A-C7514E1C7CEA}" type="datetimeFigureOut">
               <a:rPr lang="en-US" smtClean="0"/>
               <a:pPr/>
-              <a:t>3/16/2019</a:t>
+              <a:t>3/18/2019</a:t>
             </a:fld>
             <a:endParaRPr lang="en-US"/>
           </a:p>
@@ -4636,7 +4637,7 @@
             <a:fld id="{DCFA480D-CB17-4C49-BB2A-C7514E1C7CEA}" type="datetimeFigureOut">
               <a:rPr lang="en-US" smtClean="0"/>
               <a:pPr/>
-              <a:t>3/16/2019</a:t>
+              <a:t>3/18/2019</a:t>
             </a:fld>
             <a:endParaRPr lang="en-US"/>
           </a:p>
@@ -4761,7 +4762,7 @@
             <a:fld id="{DCFA480D-CB17-4C49-BB2A-C7514E1C7CEA}" type="datetimeFigureOut">
               <a:rPr lang="en-US" smtClean="0"/>
               <a:pPr/>
-              <a:t>3/16/2019</a:t>
+              <a:t>3/18/2019</a:t>
             </a:fld>
             <a:endParaRPr lang="en-US" dirty="0"/>
           </a:p>
@@ -5033,7 +5034,7 @@
             <a:fld id="{DCFA480D-CB17-4C49-BB2A-C7514E1C7CEA}" type="datetimeFigureOut">
               <a:rPr lang="en-US" smtClean="0"/>
               <a:pPr/>
-              <a:t>3/16/2019</a:t>
+              <a:t>3/18/2019</a:t>
             </a:fld>
             <a:endParaRPr lang="en-US" dirty="0"/>
           </a:p>
@@ -5305,7 +5306,7 @@
             <a:fld id="{DCFA480D-CB17-4C49-BB2A-C7514E1C7CEA}" type="datetimeFigureOut">
               <a:rPr lang="en-US" smtClean="0"/>
               <a:pPr/>
-              <a:t>3/16/2019</a:t>
+              <a:t>3/18/2019</a:t>
             </a:fld>
             <a:endParaRPr lang="en-US" dirty="0"/>
           </a:p>
@@ -5753,7 +5754,7 @@
             <a:fld id="{DCFA480D-CB17-4C49-BB2A-C7514E1C7CEA}" type="datetimeFigureOut">
               <a:rPr lang="en-US" smtClean="0"/>
               <a:pPr/>
-              <a:t>3/16/2019</a:t>
+              <a:t>3/18/2019</a:t>
             </a:fld>
             <a:endParaRPr lang="en-US" dirty="0"/>
           </a:p>
@@ -5868,7 +5869,7 @@
             <a:fld id="{DCFA480D-CB17-4C49-BB2A-C7514E1C7CEA}" type="datetimeFigureOut">
               <a:rPr lang="en-US" smtClean="0"/>
               <a:pPr/>
-              <a:t>3/16/2019</a:t>
+              <a:t>3/18/2019</a:t>
             </a:fld>
             <a:endParaRPr lang="en-US" dirty="0"/>
           </a:p>
@@ -6120,7 +6121,7 @@
             <a:fld id="{DCFA480D-CB17-4C49-BB2A-C7514E1C7CEA}" type="datetimeFigureOut">
               <a:rPr lang="en-US" smtClean="0"/>
               <a:pPr/>
-              <a:t>3/16/2019</a:t>
+              <a:t>3/18/2019</a:t>
             </a:fld>
             <a:endParaRPr lang="en-US"/>
           </a:p>
@@ -6363,7 +6364,7 @@
             <a:fld id="{DCFA480D-CB17-4C49-BB2A-C7514E1C7CEA}" type="datetimeFigureOut">
               <a:rPr lang="en-US" smtClean="0"/>
               <a:pPr/>
-              <a:t>3/16/2019</a:t>
+              <a:t>3/18/2019</a:t>
             </a:fld>
             <a:endParaRPr lang="en-US"/>
           </a:p>
@@ -6539,7 +6540,7 @@
             <a:fld id="{DCFA480D-CB17-4C49-BB2A-C7514E1C7CEA}" type="datetimeFigureOut">
               <a:rPr lang="en-US" smtClean="0"/>
               <a:pPr/>
-              <a:t>3/16/2019</a:t>
+              <a:t>3/18/2019</a:t>
             </a:fld>
             <a:endParaRPr lang="en-US" sz="1200" dirty="0">
               <a:solidFill>
@@ -7292,6 +7293,499 @@
       </p:grpSpPr>
       <p:sp>
         <p:nvSpPr>
+          <p:cNvPr id="3" name="标题 2">
+            <a:extLst>
+              <a:ext uri="{FF2B5EF4-FFF2-40B4-BE49-F238E27FC236}">
+                <a16:creationId xmlns:a16="http://schemas.microsoft.com/office/drawing/2014/main" id="{45F205E0-8BEE-4F4A-8F01-325BA277FAF7}"/>
+              </a:ext>
+            </a:extLst>
+          </p:cNvPr>
+          <p:cNvSpPr>
+            <a:spLocks noGrp="1"/>
+          </p:cNvSpPr>
+          <p:nvPr>
+            <p:ph type="title"/>
+          </p:nvPr>
+        </p:nvSpPr>
+        <p:spPr/>
+        <p:txBody>
+          <a:bodyPr/>
+          <a:lstStyle/>
+          <a:p>
+            <a:r>
+              <a:rPr lang="zh-CN" altLang="en-US" dirty="0"/>
+              <a:t>课程体系</a:t>
+            </a:r>
+          </a:p>
+        </p:txBody>
+      </p:sp>
+      <p:sp>
+        <p:nvSpPr>
+          <p:cNvPr id="4" name="矩形: 圆角 3">
+            <a:extLst>
+              <a:ext uri="{FF2B5EF4-FFF2-40B4-BE49-F238E27FC236}">
+                <a16:creationId xmlns:a16="http://schemas.microsoft.com/office/drawing/2014/main" id="{79E65E7C-6FE0-4198-AC19-9E101D36938D}"/>
+              </a:ext>
+            </a:extLst>
+          </p:cNvPr>
+          <p:cNvSpPr/>
+          <p:nvPr/>
+        </p:nvSpPr>
+        <p:spPr>
+          <a:xfrm>
+            <a:off x="2175405" y="1783944"/>
+            <a:ext cx="1994519" cy="626368"/>
+          </a:xfrm>
+          <a:prstGeom prst="roundRect">
+            <a:avLst/>
+          </a:prstGeom>
+        </p:spPr>
+        <p:style>
+          <a:lnRef idx="2">
+            <a:schemeClr val="accent1">
+              <a:shade val="50000"/>
+            </a:schemeClr>
+          </a:lnRef>
+          <a:fillRef idx="1">
+            <a:schemeClr val="accent1"/>
+          </a:fillRef>
+          <a:effectRef idx="0">
+            <a:schemeClr val="accent1"/>
+          </a:effectRef>
+          <a:fontRef idx="minor">
+            <a:schemeClr val="lt1"/>
+          </a:fontRef>
+        </p:style>
+        <p:txBody>
+          <a:bodyPr rtlCol="0" anchor="ctr"/>
+          <a:lstStyle/>
+          <a:p>
+            <a:pPr algn="ctr"/>
+            <a:r>
+              <a:rPr lang="zh-CN" altLang="en-US" dirty="0"/>
+              <a:t>基于课程内容的编程练习</a:t>
+            </a:r>
+          </a:p>
+        </p:txBody>
+      </p:sp>
+      <p:sp>
+        <p:nvSpPr>
+          <p:cNvPr id="5" name="矩形: 圆角 4">
+            <a:extLst>
+              <a:ext uri="{FF2B5EF4-FFF2-40B4-BE49-F238E27FC236}">
+                <a16:creationId xmlns:a16="http://schemas.microsoft.com/office/drawing/2014/main" id="{4CF848A1-43D4-46BE-A403-8510954F67AA}"/>
+              </a:ext>
+            </a:extLst>
+          </p:cNvPr>
+          <p:cNvSpPr/>
+          <p:nvPr/>
+        </p:nvSpPr>
+        <p:spPr>
+          <a:xfrm>
+            <a:off x="5313783" y="1783944"/>
+            <a:ext cx="1994519" cy="626368"/>
+          </a:xfrm>
+          <a:prstGeom prst="roundRect">
+            <a:avLst/>
+          </a:prstGeom>
+        </p:spPr>
+        <p:style>
+          <a:lnRef idx="2">
+            <a:schemeClr val="accent1">
+              <a:shade val="50000"/>
+            </a:schemeClr>
+          </a:lnRef>
+          <a:fillRef idx="1">
+            <a:schemeClr val="accent1"/>
+          </a:fillRef>
+          <a:effectRef idx="0">
+            <a:schemeClr val="accent1"/>
+          </a:effectRef>
+          <a:fontRef idx="minor">
+            <a:schemeClr val="lt1"/>
+          </a:fontRef>
+        </p:style>
+        <p:txBody>
+          <a:bodyPr rtlCol="0" anchor="ctr"/>
+          <a:lstStyle/>
+          <a:p>
+            <a:pPr algn="ctr"/>
+            <a:r>
+              <a:rPr lang="zh-CN" altLang="en-US" dirty="0"/>
+              <a:t>拓展思维练习</a:t>
+            </a:r>
+          </a:p>
+        </p:txBody>
+      </p:sp>
+      <p:sp>
+        <p:nvSpPr>
+          <p:cNvPr id="6" name="箭头: 下 5">
+            <a:extLst>
+              <a:ext uri="{FF2B5EF4-FFF2-40B4-BE49-F238E27FC236}">
+                <a16:creationId xmlns:a16="http://schemas.microsoft.com/office/drawing/2014/main" id="{B0AD3BC3-5F6D-472F-B6FE-F0398C8A9617}"/>
+              </a:ext>
+            </a:extLst>
+          </p:cNvPr>
+          <p:cNvSpPr/>
+          <p:nvPr/>
+        </p:nvSpPr>
+        <p:spPr>
+          <a:xfrm>
+            <a:off x="2930348" y="2636912"/>
+            <a:ext cx="484632" cy="626368"/>
+          </a:xfrm>
+          <a:prstGeom prst="downArrow">
+            <a:avLst/>
+          </a:prstGeom>
+        </p:spPr>
+        <p:style>
+          <a:lnRef idx="2">
+            <a:schemeClr val="accent1">
+              <a:shade val="50000"/>
+            </a:schemeClr>
+          </a:lnRef>
+          <a:fillRef idx="1">
+            <a:schemeClr val="accent1"/>
+          </a:fillRef>
+          <a:effectRef idx="0">
+            <a:schemeClr val="accent1"/>
+          </a:effectRef>
+          <a:fontRef idx="minor">
+            <a:schemeClr val="lt1"/>
+          </a:fontRef>
+        </p:style>
+        <p:txBody>
+          <a:bodyPr rtlCol="0" anchor="ctr"/>
+          <a:lstStyle/>
+          <a:p>
+            <a:pPr algn="ctr"/>
+            <a:endParaRPr lang="zh-CN" altLang="en-US"/>
+          </a:p>
+        </p:txBody>
+      </p:sp>
+      <p:sp>
+        <p:nvSpPr>
+          <p:cNvPr id="7" name="箭头: 下 6">
+            <a:extLst>
+              <a:ext uri="{FF2B5EF4-FFF2-40B4-BE49-F238E27FC236}">
+                <a16:creationId xmlns:a16="http://schemas.microsoft.com/office/drawing/2014/main" id="{79D9554E-75D4-4E50-A359-81DDDC310696}"/>
+              </a:ext>
+            </a:extLst>
+          </p:cNvPr>
+          <p:cNvSpPr/>
+          <p:nvPr/>
+        </p:nvSpPr>
+        <p:spPr>
+          <a:xfrm>
+            <a:off x="6068726" y="2636912"/>
+            <a:ext cx="484632" cy="626368"/>
+          </a:xfrm>
+          <a:prstGeom prst="downArrow">
+            <a:avLst/>
+          </a:prstGeom>
+        </p:spPr>
+        <p:style>
+          <a:lnRef idx="2">
+            <a:schemeClr val="accent1">
+              <a:shade val="50000"/>
+            </a:schemeClr>
+          </a:lnRef>
+          <a:fillRef idx="1">
+            <a:schemeClr val="accent1"/>
+          </a:fillRef>
+          <a:effectRef idx="0">
+            <a:schemeClr val="accent1"/>
+          </a:effectRef>
+          <a:fontRef idx="minor">
+            <a:schemeClr val="lt1"/>
+          </a:fontRef>
+        </p:style>
+        <p:txBody>
+          <a:bodyPr rtlCol="0" anchor="ctr"/>
+          <a:lstStyle/>
+          <a:p>
+            <a:pPr algn="ctr"/>
+            <a:endParaRPr lang="zh-CN" altLang="en-US"/>
+          </a:p>
+        </p:txBody>
+      </p:sp>
+      <p:sp>
+        <p:nvSpPr>
+          <p:cNvPr id="8" name="椭圆 7">
+            <a:extLst>
+              <a:ext uri="{FF2B5EF4-FFF2-40B4-BE49-F238E27FC236}">
+                <a16:creationId xmlns:a16="http://schemas.microsoft.com/office/drawing/2014/main" id="{84F73F83-7360-4409-9B10-6092FA7D7994}"/>
+              </a:ext>
+            </a:extLst>
+          </p:cNvPr>
+          <p:cNvSpPr/>
+          <p:nvPr/>
+        </p:nvSpPr>
+        <p:spPr>
+          <a:xfrm>
+            <a:off x="5359926" y="3821725"/>
+            <a:ext cx="1305854" cy="770383"/>
+          </a:xfrm>
+          <a:prstGeom prst="ellipse">
+            <a:avLst/>
+          </a:prstGeom>
+        </p:spPr>
+        <p:style>
+          <a:lnRef idx="2">
+            <a:schemeClr val="accent1">
+              <a:shade val="50000"/>
+            </a:schemeClr>
+          </a:lnRef>
+          <a:fillRef idx="1">
+            <a:schemeClr val="accent1"/>
+          </a:fillRef>
+          <a:effectRef idx="0">
+            <a:schemeClr val="accent1"/>
+          </a:effectRef>
+          <a:fontRef idx="minor">
+            <a:schemeClr val="lt1"/>
+          </a:fontRef>
+        </p:style>
+        <p:txBody>
+          <a:bodyPr rtlCol="0" anchor="ctr"/>
+          <a:lstStyle/>
+          <a:p>
+            <a:pPr algn="ctr"/>
+            <a:r>
+              <a:rPr lang="zh-CN" altLang="en-US" dirty="0"/>
+              <a:t>游戏</a:t>
+            </a:r>
+          </a:p>
+        </p:txBody>
+      </p:sp>
+      <p:sp>
+        <p:nvSpPr>
+          <p:cNvPr id="10" name="椭圆 9">
+            <a:extLst>
+              <a:ext uri="{FF2B5EF4-FFF2-40B4-BE49-F238E27FC236}">
+                <a16:creationId xmlns:a16="http://schemas.microsoft.com/office/drawing/2014/main" id="{0F016AF2-BC56-4E43-82FF-8FD1683A1062}"/>
+              </a:ext>
+            </a:extLst>
+          </p:cNvPr>
+          <p:cNvSpPr/>
+          <p:nvPr/>
+        </p:nvSpPr>
+        <p:spPr>
+          <a:xfrm>
+            <a:off x="6804248" y="3481794"/>
+            <a:ext cx="1249290" cy="852969"/>
+          </a:xfrm>
+          <a:prstGeom prst="ellipse">
+            <a:avLst/>
+          </a:prstGeom>
+        </p:spPr>
+        <p:style>
+          <a:lnRef idx="2">
+            <a:schemeClr val="accent1">
+              <a:shade val="50000"/>
+            </a:schemeClr>
+          </a:lnRef>
+          <a:fillRef idx="1">
+            <a:schemeClr val="accent1"/>
+          </a:fillRef>
+          <a:effectRef idx="0">
+            <a:schemeClr val="accent1"/>
+          </a:effectRef>
+          <a:fontRef idx="minor">
+            <a:schemeClr val="lt1"/>
+          </a:fontRef>
+        </p:style>
+        <p:txBody>
+          <a:bodyPr rtlCol="0" anchor="ctr"/>
+          <a:lstStyle/>
+          <a:p>
+            <a:pPr algn="ctr"/>
+            <a:r>
+              <a:rPr lang="zh-CN" altLang="en-US" dirty="0"/>
+              <a:t>创意</a:t>
+            </a:r>
+          </a:p>
+        </p:txBody>
+      </p:sp>
+      <p:sp>
+        <p:nvSpPr>
+          <p:cNvPr id="11" name="椭圆 10">
+            <a:extLst>
+              <a:ext uri="{FF2B5EF4-FFF2-40B4-BE49-F238E27FC236}">
+                <a16:creationId xmlns:a16="http://schemas.microsoft.com/office/drawing/2014/main" id="{7DCFF4F1-6A47-4A4D-91CF-CCB17F987DE7}"/>
+              </a:ext>
+            </a:extLst>
+          </p:cNvPr>
+          <p:cNvSpPr/>
+          <p:nvPr/>
+        </p:nvSpPr>
+        <p:spPr>
+          <a:xfrm>
+            <a:off x="1332359" y="3444568"/>
+            <a:ext cx="1140935" cy="770383"/>
+          </a:xfrm>
+          <a:prstGeom prst="ellipse">
+            <a:avLst/>
+          </a:prstGeom>
+        </p:spPr>
+        <p:style>
+          <a:lnRef idx="2">
+            <a:schemeClr val="accent1">
+              <a:shade val="50000"/>
+            </a:schemeClr>
+          </a:lnRef>
+          <a:fillRef idx="1">
+            <a:schemeClr val="accent1"/>
+          </a:fillRef>
+          <a:effectRef idx="0">
+            <a:schemeClr val="accent1"/>
+          </a:effectRef>
+          <a:fontRef idx="minor">
+            <a:schemeClr val="lt1"/>
+          </a:fontRef>
+        </p:style>
+        <p:txBody>
+          <a:bodyPr rtlCol="0" anchor="ctr"/>
+          <a:lstStyle/>
+          <a:p>
+            <a:pPr algn="ctr"/>
+            <a:r>
+              <a:rPr lang="zh-CN" altLang="en-US" dirty="0"/>
+              <a:t>英语</a:t>
+            </a:r>
+          </a:p>
+        </p:txBody>
+      </p:sp>
+      <p:sp>
+        <p:nvSpPr>
+          <p:cNvPr id="12" name="椭圆 11">
+            <a:extLst>
+              <a:ext uri="{FF2B5EF4-FFF2-40B4-BE49-F238E27FC236}">
+                <a16:creationId xmlns:a16="http://schemas.microsoft.com/office/drawing/2014/main" id="{941BF474-4D99-4A26-97FA-D64EC1EABDAC}"/>
+              </a:ext>
+            </a:extLst>
+          </p:cNvPr>
+          <p:cNvSpPr/>
+          <p:nvPr/>
+        </p:nvSpPr>
+        <p:spPr>
+          <a:xfrm>
+            <a:off x="2504163" y="3837794"/>
+            <a:ext cx="1140935" cy="754314"/>
+          </a:xfrm>
+          <a:prstGeom prst="ellipse">
+            <a:avLst/>
+          </a:prstGeom>
+        </p:spPr>
+        <p:style>
+          <a:lnRef idx="2">
+            <a:schemeClr val="accent1">
+              <a:shade val="50000"/>
+            </a:schemeClr>
+          </a:lnRef>
+          <a:fillRef idx="1">
+            <a:schemeClr val="accent1"/>
+          </a:fillRef>
+          <a:effectRef idx="0">
+            <a:schemeClr val="accent1"/>
+          </a:effectRef>
+          <a:fontRef idx="minor">
+            <a:schemeClr val="lt1"/>
+          </a:fontRef>
+        </p:style>
+        <p:txBody>
+          <a:bodyPr rtlCol="0" anchor="ctr"/>
+          <a:lstStyle/>
+          <a:p>
+            <a:pPr algn="ctr"/>
+            <a:r>
+              <a:rPr lang="zh-CN" altLang="en-US" dirty="0"/>
+              <a:t>语文</a:t>
+            </a:r>
+          </a:p>
+        </p:txBody>
+      </p:sp>
+      <p:sp>
+        <p:nvSpPr>
+          <p:cNvPr id="13" name="椭圆 12">
+            <a:extLst>
+              <a:ext uri="{FF2B5EF4-FFF2-40B4-BE49-F238E27FC236}">
+                <a16:creationId xmlns:a16="http://schemas.microsoft.com/office/drawing/2014/main" id="{4770D459-ECB6-4152-A275-A3A12C028ECC}"/>
+              </a:ext>
+            </a:extLst>
+          </p:cNvPr>
+          <p:cNvSpPr/>
+          <p:nvPr/>
+        </p:nvSpPr>
+        <p:spPr>
+          <a:xfrm>
+            <a:off x="3653970" y="3460637"/>
+            <a:ext cx="1140055" cy="754314"/>
+          </a:xfrm>
+          <a:prstGeom prst="ellipse">
+            <a:avLst/>
+          </a:prstGeom>
+        </p:spPr>
+        <p:style>
+          <a:lnRef idx="2">
+            <a:schemeClr val="accent1">
+              <a:shade val="50000"/>
+            </a:schemeClr>
+          </a:lnRef>
+          <a:fillRef idx="1">
+            <a:schemeClr val="accent1"/>
+          </a:fillRef>
+          <a:effectRef idx="0">
+            <a:schemeClr val="accent1"/>
+          </a:effectRef>
+          <a:fontRef idx="minor">
+            <a:schemeClr val="lt1"/>
+          </a:fontRef>
+        </p:style>
+        <p:txBody>
+          <a:bodyPr rtlCol="0" anchor="ctr"/>
+          <a:lstStyle/>
+          <a:p>
+            <a:pPr algn="ctr"/>
+            <a:r>
+              <a:rPr lang="zh-CN" altLang="en-US" dirty="0"/>
+              <a:t>数理化</a:t>
+            </a:r>
+          </a:p>
+        </p:txBody>
+      </p:sp>
+    </p:spTree>
+    <p:extLst>
+      <p:ext uri="{BB962C8B-B14F-4D97-AF65-F5344CB8AC3E}">
+        <p14:creationId xmlns:p14="http://schemas.microsoft.com/office/powerpoint/2010/main" val="3895902801"/>
+      </p:ext>
+    </p:extLst>
+  </p:cSld>
+  <p:clrMapOvr>
+    <a:masterClrMapping/>
+  </p:clrMapOvr>
+</p:sld>
+</file>
+
+<file path=ppt/slides/slide5.xml><?xml version="1.0" encoding="utf-8"?>
+<p:sld xmlns:a="http://schemas.openxmlformats.org/drawingml/2006/main" xmlns:r="http://schemas.openxmlformats.org/officeDocument/2006/relationships" xmlns:p="http://schemas.openxmlformats.org/presentationml/2006/main">
+  <p:cSld>
+    <p:spTree>
+      <p:nvGrpSpPr>
+        <p:cNvPr id="1" name=""/>
+        <p:cNvGrpSpPr/>
+        <p:nvPr/>
+      </p:nvGrpSpPr>
+      <p:grpSpPr>
+        <a:xfrm>
+          <a:off x="0" y="0"/>
+          <a:ext cx="0" cy="0"/>
+          <a:chOff x="0" y="0"/>
+          <a:chExt cx="0" cy="0"/>
+        </a:xfrm>
+      </p:grpSpPr>
+      <p:sp>
+        <p:nvSpPr>
           <p:cNvPr id="2" name="Title 1"/>
           <p:cNvSpPr>
             <a:spLocks noGrp="1"/>
@@ -7769,7 +8263,7 @@
 </p:sld>
 </file>
 
-<file path=ppt/slides/slide5.xml><?xml version="1.0" encoding="utf-8"?>
+<file path=ppt/slides/slide6.xml><?xml version="1.0" encoding="utf-8"?>
 <p:sld xmlns:a="http://schemas.openxmlformats.org/drawingml/2006/main" xmlns:r="http://schemas.openxmlformats.org/officeDocument/2006/relationships" xmlns:p="http://schemas.openxmlformats.org/presentationml/2006/main">
   <p:cSld>
     <p:spTree>
@@ -8148,7 +8642,7 @@
 </p:sld>
 </file>
 
-<file path=ppt/slides/slide6.xml><?xml version="1.0" encoding="utf-8"?>
+<file path=ppt/slides/slide7.xml><?xml version="1.0" encoding="utf-8"?>
 <p:sld xmlns:a="http://schemas.openxmlformats.org/drawingml/2006/main" xmlns:r="http://schemas.openxmlformats.org/officeDocument/2006/relationships" xmlns:p="http://schemas.openxmlformats.org/presentationml/2006/main">
   <p:cSld>
     <p:spTree>
